--- a/docs/figures.pptx
+++ b/docs/figures.pptx
@@ -4183,7 +4183,7 @@
             <a:avLst/>
           </a:prstGeom>
           <a:solidFill>
-            <a:schemeClr val="accent2">
+            <a:schemeClr val="accent3">
               <a:lumMod val="20000"/>
               <a:lumOff val="80000"/>
             </a:schemeClr>
@@ -4220,6 +4220,8 @@
                 <a:solidFill>
                   <a:schemeClr val="tx1"/>
                 </a:solidFill>
+                <a:latin typeface="Consolas" panose="020B0609020204030204" pitchFamily="49" charset="0"/>
+                <a:cs typeface="Consolas" panose="020B0609020204030204" pitchFamily="49" charset="0"/>
               </a:rPr>
               <a:t>scrape_epa_airdata_zip_links()</a:t>
             </a:r>
@@ -4281,7 +4283,7 @@
             <a:avLst/>
           </a:prstGeom>
           <a:solidFill>
-            <a:schemeClr val="accent2">
+            <a:schemeClr val="accent3">
               <a:lumMod val="20000"/>
               <a:lumOff val="80000"/>
             </a:schemeClr>
@@ -4318,6 +4320,8 @@
                 <a:solidFill>
                   <a:schemeClr val="tx1"/>
                 </a:solidFill>
+                <a:latin typeface="Consolas" panose="020B0609020204030204" pitchFamily="49" charset="0"/>
+                <a:cs typeface="Consolas" panose="020B0609020204030204" pitchFamily="49" charset="0"/>
               </a:rPr>
               <a:t>get_epa_airdata()</a:t>
             </a:r>
@@ -4338,7 +4342,7 @@
         </p:nvSpPr>
         <p:spPr>
           <a:xfrm>
-            <a:off x="768093" y="1169581"/>
+            <a:off x="768093" y="1070223"/>
             <a:ext cx="4930595" cy="1244010"/>
           </a:xfrm>
           <a:prstGeom prst="rect">
@@ -4376,6 +4380,8 @@
                 <a:solidFill>
                   <a:schemeClr val="tx1"/>
                 </a:solidFill>
+                <a:latin typeface="Consolas" panose="020B0609020204030204" pitchFamily="49" charset="0"/>
+                <a:cs typeface="Consolas" panose="020B0609020204030204" pitchFamily="49" charset="0"/>
               </a:rPr>
               <a:t>This function scrapes the EPA AirData website for downloadable ZIP file links, extracts relevant metadata from filenames (such as year, unit of analysis, and analyte), and returns a tidy tibble with structured information.</a:t>
             </a:r>
@@ -4396,7 +4402,7 @@
         </p:nvSpPr>
         <p:spPr>
           <a:xfrm>
-            <a:off x="6479815" y="1169581"/>
+            <a:off x="6493311" y="1070223"/>
             <a:ext cx="4930595" cy="1244010"/>
           </a:xfrm>
           <a:prstGeom prst="rect">
@@ -4434,8 +4440,132 @@
                 <a:solidFill>
                   <a:schemeClr val="tx1"/>
                 </a:solidFill>
+                <a:latin typeface="Consolas" panose="020B0609020204030204" pitchFamily="49" charset="0"/>
+                <a:cs typeface="Consolas" panose="020B0609020204030204" pitchFamily="49" charset="0"/>
               </a:rPr>
               <a:t>This function downloads and stacks EPA AirData flat files for air quality data for specified parameters. Includes progress tracking.</a:t>
+            </a:r>
+          </a:p>
+        </p:txBody>
+      </p:sp>
+      <p:sp>
+        <p:nvSpPr>
+          <p:cNvPr id="12" name="Rectangle 11">
+            <a:extLst>
+              <a:ext uri="{FF2B5EF4-FFF2-40B4-BE49-F238E27FC236}">
+                <a16:creationId xmlns:a16="http://schemas.microsoft.com/office/drawing/2014/main" id="{4C70237B-140B-B31E-A087-3C322CD6F80A}"/>
+              </a:ext>
+            </a:extLst>
+          </p:cNvPr>
+          <p:cNvSpPr/>
+          <p:nvPr/>
+        </p:nvSpPr>
+        <p:spPr>
+          <a:xfrm>
+            <a:off x="768093" y="100769"/>
+            <a:ext cx="520633" cy="451472"/>
+          </a:xfrm>
+          <a:prstGeom prst="rect">
+            <a:avLst/>
+          </a:prstGeom>
+          <a:solidFill>
+            <a:schemeClr val="tx1"/>
+          </a:solidFill>
+          <a:ln w="12700">
+            <a:noFill/>
+          </a:ln>
+        </p:spPr>
+        <p:style>
+          <a:lnRef idx="2">
+            <a:schemeClr val="accent1">
+              <a:shade val="15000"/>
+            </a:schemeClr>
+          </a:lnRef>
+          <a:fillRef idx="1">
+            <a:schemeClr val="accent1"/>
+          </a:fillRef>
+          <a:effectRef idx="0">
+            <a:schemeClr val="accent1"/>
+          </a:effectRef>
+          <a:fontRef idx="minor">
+            <a:schemeClr val="lt1"/>
+          </a:fontRef>
+        </p:style>
+        <p:txBody>
+          <a:bodyPr rtlCol="0" anchor="ctr"/>
+          <a:lstStyle/>
+          <a:p>
+            <a:pPr algn="ctr"/>
+            <a:r>
+              <a:rPr lang="en-US" dirty="0">
+                <a:solidFill>
+                  <a:schemeClr val="bg1"/>
+                </a:solidFill>
+                <a:latin typeface="Consolas" panose="020B0609020204030204" pitchFamily="49" charset="0"/>
+                <a:cs typeface="Consolas" panose="020B0609020204030204" pitchFamily="49" charset="0"/>
+              </a:rPr>
+              <a:t>A</a:t>
+            </a:r>
+          </a:p>
+        </p:txBody>
+      </p:sp>
+      <p:sp>
+        <p:nvSpPr>
+          <p:cNvPr id="13" name="Rectangle 12">
+            <a:extLst>
+              <a:ext uri="{FF2B5EF4-FFF2-40B4-BE49-F238E27FC236}">
+                <a16:creationId xmlns:a16="http://schemas.microsoft.com/office/drawing/2014/main" id="{C4D5EA78-F0EA-A699-D8B9-7E4C7A335EE4}"/>
+              </a:ext>
+            </a:extLst>
+          </p:cNvPr>
+          <p:cNvSpPr/>
+          <p:nvPr/>
+        </p:nvSpPr>
+        <p:spPr>
+          <a:xfrm>
+            <a:off x="6494169" y="100769"/>
+            <a:ext cx="520633" cy="451472"/>
+          </a:xfrm>
+          <a:prstGeom prst="rect">
+            <a:avLst/>
+          </a:prstGeom>
+          <a:solidFill>
+            <a:schemeClr val="tx1"/>
+          </a:solidFill>
+          <a:ln w="12700">
+            <a:noFill/>
+          </a:ln>
+        </p:spPr>
+        <p:style>
+          <a:lnRef idx="2">
+            <a:schemeClr val="accent1">
+              <a:shade val="15000"/>
+            </a:schemeClr>
+          </a:lnRef>
+          <a:fillRef idx="1">
+            <a:schemeClr val="accent1"/>
+          </a:fillRef>
+          <a:effectRef idx="0">
+            <a:schemeClr val="accent1"/>
+          </a:effectRef>
+          <a:fontRef idx="minor">
+            <a:schemeClr val="lt1"/>
+          </a:fontRef>
+        </p:style>
+        <p:txBody>
+          <a:bodyPr rtlCol="0" anchor="ctr"/>
+          <a:lstStyle/>
+          <a:p>
+            <a:pPr algn="ctr"/>
+            <a:r>
+              <a:rPr lang="en-US" dirty="0">
+                <a:solidFill>
+                  <a:schemeClr val="bg1"/>
+                </a:solidFill>
+                <a:latin typeface="Consolas" panose="020B0609020204030204" pitchFamily="49" charset="0"/>
+                <a:cs typeface="Consolas" panose="020B0609020204030204" pitchFamily="49" charset="0"/>
+              </a:rPr>
+              <a:t>B</a:t>
             </a:r>
           </a:p>
         </p:txBody>

--- a/docs/figures.pptx
+++ b/docs/figures.pptx
@@ -106,6 +106,11 @@
       </a:defRPr>
     </a:lvl9pPr>
   </p:defaultTextStyle>
+  <p:extLst>
+    <p:ext uri="{EFAFB233-063F-42B5-8137-9DF3F51BA10A}">
+      <p15:sldGuideLst xmlns:p15="http://schemas.microsoft.com/office/powerpoint/2012/main"/>
+    </p:ext>
+  </p:extLst>
 </p:presentation>
 </file>
 
@@ -4223,7 +4228,7 @@
                 <a:latin typeface="Consolas" panose="020B0609020204030204" pitchFamily="49" charset="0"/>
                 <a:cs typeface="Consolas" panose="020B0609020204030204" pitchFamily="49" charset="0"/>
               </a:rPr>
-              <a:t>scrape_epa_airdata_zip_links()</a:t>
+              <a:t>get_epa_airdata_zip_links()</a:t>
             </a:r>
           </a:p>
         </p:txBody>
